--- a/Quesito 3 Team/PresentazioneFabio.pptx
+++ b/Quesito 3 Team/PresentazioneFabio.pptx
@@ -165,7 +165,7 @@
           <a:noFill/>
           <a:extLst>
             <a:ext uri="{909E8E84-426E-40dd-AFC4-6F175D3DCCD1}">
-              <a14:hiddenFill xmlns:a14="http://schemas.microsoft.com/office/drawing/2010/main" xmlns="">
+              <a14:hiddenFill xmlns="" xmlns:a14="http://schemas.microsoft.com/office/drawing/2010/main">
                 <a:solidFill>
                   <a:srgbClr val="FFFFFF"/>
                 </a:solidFill>
@@ -225,7 +225,7 @@
             </a:ln>
             <a:extLst>
               <a:ext uri="{91240B29-F687-4f45-9708-019B960494DF}">
-                <a14:hiddenLine xmlns:a14="http://schemas.microsoft.com/office/drawing/2010/main" xmlns="" w="9525">
+                <a14:hiddenLine xmlns="" xmlns:a14="http://schemas.microsoft.com/office/drawing/2010/main" w="9525">
                   <a:solidFill>
                     <a:srgbClr val="000000"/>
                   </a:solidFill>
@@ -315,7 +315,7 @@
             </a:ln>
             <a:extLst>
               <a:ext uri="{91240B29-F687-4f45-9708-019B960494DF}">
-                <a14:hiddenLine xmlns:a14="http://schemas.microsoft.com/office/drawing/2010/main" xmlns="" w="9525">
+                <a14:hiddenLine xmlns="" xmlns:a14="http://schemas.microsoft.com/office/drawing/2010/main" w="9525">
                   <a:solidFill>
                     <a:srgbClr val="000000"/>
                   </a:solidFill>
@@ -405,7 +405,7 @@
             </a:ln>
             <a:extLst>
               <a:ext uri="{91240B29-F687-4f45-9708-019B960494DF}">
-                <a14:hiddenLine xmlns:a14="http://schemas.microsoft.com/office/drawing/2010/main" xmlns="" w="9525">
+                <a14:hiddenLine xmlns="" xmlns:a14="http://schemas.microsoft.com/office/drawing/2010/main" w="9525">
                   <a:solidFill>
                     <a:srgbClr val="000000"/>
                   </a:solidFill>
@@ -439,7 +439,7 @@
             </a:ln>
             <a:extLst>
               <a:ext uri="{91240B29-F687-4f45-9708-019B960494DF}">
-                <a14:hiddenLine xmlns:a14="http://schemas.microsoft.com/office/drawing/2010/main" xmlns="" w="9525">
+                <a14:hiddenLine xmlns="" xmlns:a14="http://schemas.microsoft.com/office/drawing/2010/main" w="9525">
                   <a:solidFill>
                     <a:srgbClr val="000000"/>
                   </a:solidFill>
@@ -529,7 +529,7 @@
             </a:ln>
             <a:extLst>
               <a:ext uri="{91240B29-F687-4f45-9708-019B960494DF}">
-                <a14:hiddenLine xmlns:a14="http://schemas.microsoft.com/office/drawing/2010/main" xmlns="" w="9525">
+                <a14:hiddenLine xmlns="" xmlns:a14="http://schemas.microsoft.com/office/drawing/2010/main" w="9525">
                   <a:solidFill>
                     <a:srgbClr val="000000"/>
                   </a:solidFill>
@@ -591,7 +591,7 @@
             </a:ln>
             <a:extLst>
               <a:ext uri="{91240B29-F687-4f45-9708-019B960494DF}">
-                <a14:hiddenLine xmlns:a14="http://schemas.microsoft.com/office/drawing/2010/main" xmlns="" w="9525">
+                <a14:hiddenLine xmlns="" xmlns:a14="http://schemas.microsoft.com/office/drawing/2010/main" w="9525">
                   <a:solidFill>
                     <a:srgbClr val="000000"/>
                   </a:solidFill>
@@ -653,7 +653,7 @@
             </a:ln>
             <a:extLst>
               <a:ext uri="{91240B29-F687-4f45-9708-019B960494DF}">
-                <a14:hiddenLine xmlns:a14="http://schemas.microsoft.com/office/drawing/2010/main" xmlns="" w="9525">
+                <a14:hiddenLine xmlns="" xmlns:a14="http://schemas.microsoft.com/office/drawing/2010/main" w="9525">
                   <a:solidFill>
                     <a:srgbClr val="000000"/>
                   </a:solidFill>
@@ -743,7 +743,7 @@
             </a:ln>
             <a:extLst>
               <a:ext uri="{91240B29-F687-4f45-9708-019B960494DF}">
-                <a14:hiddenLine xmlns:a14="http://schemas.microsoft.com/office/drawing/2010/main" xmlns="" w="9525">
+                <a14:hiddenLine xmlns="" xmlns:a14="http://schemas.microsoft.com/office/drawing/2010/main" w="9525">
                   <a:solidFill>
                     <a:srgbClr val="000000"/>
                   </a:solidFill>
@@ -805,7 +805,7 @@
             </a:ln>
             <a:extLst>
               <a:ext uri="{91240B29-F687-4f45-9708-019B960494DF}">
-                <a14:hiddenLine xmlns:a14="http://schemas.microsoft.com/office/drawing/2010/main" xmlns="" w="9525">
+                <a14:hiddenLine xmlns="" xmlns:a14="http://schemas.microsoft.com/office/drawing/2010/main" w="9525">
                   <a:solidFill>
                     <a:srgbClr val="000000"/>
                   </a:solidFill>
@@ -867,7 +867,7 @@
             </a:ln>
             <a:extLst>
               <a:ext uri="{91240B29-F687-4f45-9708-019B960494DF}">
-                <a14:hiddenLine xmlns:a14="http://schemas.microsoft.com/office/drawing/2010/main" xmlns="" w="9525">
+                <a14:hiddenLine xmlns="" xmlns:a14="http://schemas.microsoft.com/office/drawing/2010/main" w="9525">
                   <a:solidFill>
                     <a:srgbClr val="000000"/>
                   </a:solidFill>
@@ -957,7 +957,7 @@
             </a:ln>
             <a:extLst>
               <a:ext uri="{91240B29-F687-4f45-9708-019B960494DF}">
-                <a14:hiddenLine xmlns:a14="http://schemas.microsoft.com/office/drawing/2010/main" xmlns="" w="9525">
+                <a14:hiddenLine xmlns="" xmlns:a14="http://schemas.microsoft.com/office/drawing/2010/main" w="9525">
                   <a:solidFill>
                     <a:srgbClr val="000000"/>
                   </a:solidFill>
@@ -1047,7 +1047,7 @@
             </a:ln>
             <a:extLst>
               <a:ext uri="{91240B29-F687-4f45-9708-019B960494DF}">
-                <a14:hiddenLine xmlns:a14="http://schemas.microsoft.com/office/drawing/2010/main" xmlns="" w="9525">
+                <a14:hiddenLine xmlns="" xmlns:a14="http://schemas.microsoft.com/office/drawing/2010/main" w="9525">
                   <a:solidFill>
                     <a:srgbClr val="000000"/>
                   </a:solidFill>
@@ -1109,7 +1109,7 @@
             </a:ln>
             <a:extLst>
               <a:ext uri="{91240B29-F687-4f45-9708-019B960494DF}">
-                <a14:hiddenLine xmlns:a14="http://schemas.microsoft.com/office/drawing/2010/main" xmlns="" w="9525">
+                <a14:hiddenLine xmlns="" xmlns:a14="http://schemas.microsoft.com/office/drawing/2010/main" w="9525">
                   <a:solidFill>
                     <a:srgbClr val="000000"/>
                   </a:solidFill>
@@ -1219,7 +1219,7 @@
             </a:ln>
             <a:extLst>
               <a:ext uri="{91240B29-F687-4f45-9708-019B960494DF}">
-                <a14:hiddenLine xmlns:a14="http://schemas.microsoft.com/office/drawing/2010/main" xmlns="" w="9525">
+                <a14:hiddenLine xmlns="" xmlns:a14="http://schemas.microsoft.com/office/drawing/2010/main" w="9525">
                   <a:solidFill>
                     <a:srgbClr val="000000"/>
                   </a:solidFill>
@@ -1281,7 +1281,7 @@
             </a:ln>
             <a:extLst>
               <a:ext uri="{91240B29-F687-4f45-9708-019B960494DF}">
-                <a14:hiddenLine xmlns:a14="http://schemas.microsoft.com/office/drawing/2010/main" xmlns="" w="9525">
+                <a14:hiddenLine xmlns="" xmlns:a14="http://schemas.microsoft.com/office/drawing/2010/main" w="9525">
                   <a:solidFill>
                     <a:srgbClr val="000000"/>
                   </a:solidFill>
@@ -1371,7 +1371,7 @@
             </a:ln>
             <a:extLst>
               <a:ext uri="{91240B29-F687-4f45-9708-019B960494DF}">
-                <a14:hiddenLine xmlns:a14="http://schemas.microsoft.com/office/drawing/2010/main" xmlns="" w="9525">
+                <a14:hiddenLine xmlns="" xmlns:a14="http://schemas.microsoft.com/office/drawing/2010/main" w="9525">
                   <a:solidFill>
                     <a:srgbClr val="000000"/>
                   </a:solidFill>
@@ -1461,7 +1461,7 @@
             </a:ln>
             <a:extLst>
               <a:ext uri="{91240B29-F687-4f45-9708-019B960494DF}">
-                <a14:hiddenLine xmlns:a14="http://schemas.microsoft.com/office/drawing/2010/main" xmlns="" w="9525">
+                <a14:hiddenLine xmlns="" xmlns:a14="http://schemas.microsoft.com/office/drawing/2010/main" w="9525">
                   <a:solidFill>
                     <a:srgbClr val="000000"/>
                   </a:solidFill>
@@ -1523,7 +1523,7 @@
             </a:ln>
             <a:extLst>
               <a:ext uri="{91240B29-F687-4f45-9708-019B960494DF}">
-                <a14:hiddenLine xmlns:a14="http://schemas.microsoft.com/office/drawing/2010/main" xmlns="" w="9525">
+                <a14:hiddenLine xmlns="" xmlns:a14="http://schemas.microsoft.com/office/drawing/2010/main" w="9525">
                   <a:solidFill>
                     <a:srgbClr val="000000"/>
                   </a:solidFill>
@@ -1613,7 +1613,7 @@
             </a:ln>
             <a:extLst>
               <a:ext uri="{91240B29-F687-4f45-9708-019B960494DF}">
-                <a14:hiddenLine xmlns:a14="http://schemas.microsoft.com/office/drawing/2010/main" xmlns="" w="9525">
+                <a14:hiddenLine xmlns="" xmlns:a14="http://schemas.microsoft.com/office/drawing/2010/main" w="9525">
                   <a:solidFill>
                     <a:srgbClr val="000000"/>
                   </a:solidFill>
@@ -1703,7 +1703,7 @@
             </a:ln>
             <a:extLst>
               <a:ext uri="{91240B29-F687-4f45-9708-019B960494DF}">
-                <a14:hiddenLine xmlns:a14="http://schemas.microsoft.com/office/drawing/2010/main" xmlns="" w="9525">
+                <a14:hiddenLine xmlns="" xmlns:a14="http://schemas.microsoft.com/office/drawing/2010/main" w="9525">
                   <a:solidFill>
                     <a:srgbClr val="000000"/>
                   </a:solidFill>
@@ -1759,7 +1759,7 @@
             </a:ln>
             <a:extLst>
               <a:ext uri="{91240B29-F687-4f45-9708-019B960494DF}">
-                <a14:hiddenLine xmlns:a14="http://schemas.microsoft.com/office/drawing/2010/main" xmlns="" w="9525">
+                <a14:hiddenLine xmlns="" xmlns:a14="http://schemas.microsoft.com/office/drawing/2010/main" w="9525">
                   <a:solidFill>
                     <a:srgbClr val="000000"/>
                   </a:solidFill>
@@ -1849,7 +1849,7 @@
             </a:ln>
             <a:extLst>
               <a:ext uri="{91240B29-F687-4f45-9708-019B960494DF}">
-                <a14:hiddenLine xmlns:a14="http://schemas.microsoft.com/office/drawing/2010/main" xmlns="" w="9525">
+                <a14:hiddenLine xmlns="" xmlns:a14="http://schemas.microsoft.com/office/drawing/2010/main" w="9525">
                   <a:solidFill>
                     <a:srgbClr val="000000"/>
                   </a:solidFill>
@@ -1905,7 +1905,7 @@
             </a:ln>
             <a:extLst>
               <a:ext uri="{91240B29-F687-4f45-9708-019B960494DF}">
-                <a14:hiddenLine xmlns:a14="http://schemas.microsoft.com/office/drawing/2010/main" xmlns="" w="9525">
+                <a14:hiddenLine xmlns="" xmlns:a14="http://schemas.microsoft.com/office/drawing/2010/main" w="9525">
                   <a:solidFill>
                     <a:srgbClr val="000000"/>
                   </a:solidFill>
@@ -1995,7 +1995,7 @@
             </a:ln>
             <a:extLst>
               <a:ext uri="{91240B29-F687-4f45-9708-019B960494DF}">
-                <a14:hiddenLine xmlns:a14="http://schemas.microsoft.com/office/drawing/2010/main" xmlns="" w="9525">
+                <a14:hiddenLine xmlns="" xmlns:a14="http://schemas.microsoft.com/office/drawing/2010/main" w="9525">
                   <a:solidFill>
                     <a:srgbClr val="000000"/>
                   </a:solidFill>
@@ -2063,7 +2063,7 @@
             </a:ln>
             <a:extLst>
               <a:ext uri="{91240B29-F687-4f45-9708-019B960494DF}">
-                <a14:hiddenLine xmlns:a14="http://schemas.microsoft.com/office/drawing/2010/main" xmlns="" w="9525">
+                <a14:hiddenLine xmlns="" xmlns:a14="http://schemas.microsoft.com/office/drawing/2010/main" w="9525">
                   <a:solidFill>
                     <a:srgbClr val="000000"/>
                   </a:solidFill>
@@ -2153,7 +2153,7 @@
             </a:ln>
             <a:extLst>
               <a:ext uri="{91240B29-F687-4f45-9708-019B960494DF}">
-                <a14:hiddenLine xmlns:a14="http://schemas.microsoft.com/office/drawing/2010/main" xmlns="" w="9525">
+                <a14:hiddenLine xmlns="" xmlns:a14="http://schemas.microsoft.com/office/drawing/2010/main" w="9525">
                   <a:solidFill>
                     <a:srgbClr val="000000"/>
                   </a:solidFill>
@@ -2221,7 +2221,7 @@
             </a:ln>
             <a:extLst>
               <a:ext uri="{91240B29-F687-4f45-9708-019B960494DF}">
-                <a14:hiddenLine xmlns:a14="http://schemas.microsoft.com/office/drawing/2010/main" xmlns="" w="9525">
+                <a14:hiddenLine xmlns="" xmlns:a14="http://schemas.microsoft.com/office/drawing/2010/main" w="9525">
                   <a:solidFill>
                     <a:srgbClr val="000000"/>
                   </a:solidFill>
@@ -2311,7 +2311,7 @@
             </a:ln>
             <a:extLst>
               <a:ext uri="{91240B29-F687-4f45-9708-019B960494DF}">
-                <a14:hiddenLine xmlns:a14="http://schemas.microsoft.com/office/drawing/2010/main" xmlns="" w="9525">
+                <a14:hiddenLine xmlns="" xmlns:a14="http://schemas.microsoft.com/office/drawing/2010/main" w="9525">
                   <a:solidFill>
                     <a:srgbClr val="000000"/>
                   </a:solidFill>
@@ -2345,7 +2345,7 @@
             </a:ln>
             <a:extLst>
               <a:ext uri="{91240B29-F687-4f45-9708-019B960494DF}">
-                <a14:hiddenLine xmlns:a14="http://schemas.microsoft.com/office/drawing/2010/main" xmlns="" w="9525">
+                <a14:hiddenLine xmlns="" xmlns:a14="http://schemas.microsoft.com/office/drawing/2010/main" w="9525">
                   <a:solidFill>
                     <a:srgbClr val="000000"/>
                   </a:solidFill>
@@ -2435,7 +2435,7 @@
             </a:ln>
             <a:extLst>
               <a:ext uri="{91240B29-F687-4f45-9708-019B960494DF}">
-                <a14:hiddenLine xmlns:a14="http://schemas.microsoft.com/office/drawing/2010/main" xmlns="" w="9525">
+                <a14:hiddenLine xmlns="" xmlns:a14="http://schemas.microsoft.com/office/drawing/2010/main" w="9525">
                   <a:solidFill>
                     <a:srgbClr val="000000"/>
                   </a:solidFill>
@@ -2497,7 +2497,7 @@
             </a:ln>
             <a:extLst>
               <a:ext uri="{91240B29-F687-4f45-9708-019B960494DF}">
-                <a14:hiddenLine xmlns:a14="http://schemas.microsoft.com/office/drawing/2010/main" xmlns="" w="9525">
+                <a14:hiddenLine xmlns="" xmlns:a14="http://schemas.microsoft.com/office/drawing/2010/main" w="9525">
                   <a:solidFill>
                     <a:srgbClr val="000000"/>
                   </a:solidFill>
@@ -2559,7 +2559,7 @@
             </a:ln>
             <a:extLst>
               <a:ext uri="{91240B29-F687-4f45-9708-019B960494DF}">
-                <a14:hiddenLine xmlns:a14="http://schemas.microsoft.com/office/drawing/2010/main" xmlns="" w="9525">
+                <a14:hiddenLine xmlns="" xmlns:a14="http://schemas.microsoft.com/office/drawing/2010/main" w="9525">
                   <a:solidFill>
                     <a:srgbClr val="000000"/>
                   </a:solidFill>
@@ -2649,7 +2649,7 @@
             </a:ln>
             <a:extLst>
               <a:ext uri="{91240B29-F687-4f45-9708-019B960494DF}">
-                <a14:hiddenLine xmlns:a14="http://schemas.microsoft.com/office/drawing/2010/main" xmlns="" w="9525">
+                <a14:hiddenLine xmlns="" xmlns:a14="http://schemas.microsoft.com/office/drawing/2010/main" w="9525">
                   <a:solidFill>
                     <a:srgbClr val="000000"/>
                   </a:solidFill>
@@ -2717,7 +2717,7 @@
             </a:ln>
             <a:extLst>
               <a:ext uri="{91240B29-F687-4f45-9708-019B960494DF}">
-                <a14:hiddenLine xmlns:a14="http://schemas.microsoft.com/office/drawing/2010/main" xmlns="" w="9525">
+                <a14:hiddenLine xmlns="" xmlns:a14="http://schemas.microsoft.com/office/drawing/2010/main" w="9525">
                   <a:solidFill>
                     <a:srgbClr val="000000"/>
                   </a:solidFill>
@@ -2779,7 +2779,7 @@
             </a:ln>
             <a:extLst>
               <a:ext uri="{91240B29-F687-4f45-9708-019B960494DF}">
-                <a14:hiddenLine xmlns:a14="http://schemas.microsoft.com/office/drawing/2010/main" xmlns="" w="9525">
+                <a14:hiddenLine xmlns="" xmlns:a14="http://schemas.microsoft.com/office/drawing/2010/main" w="9525">
                   <a:solidFill>
                     <a:srgbClr val="000000"/>
                   </a:solidFill>
@@ -2869,7 +2869,7 @@
             </a:ln>
             <a:extLst>
               <a:ext uri="{91240B29-F687-4f45-9708-019B960494DF}">
-                <a14:hiddenLine xmlns:a14="http://schemas.microsoft.com/office/drawing/2010/main" xmlns="" w="9525">
+                <a14:hiddenLine xmlns="" xmlns:a14="http://schemas.microsoft.com/office/drawing/2010/main" w="9525">
                   <a:solidFill>
                     <a:srgbClr val="000000"/>
                   </a:solidFill>
@@ -2931,7 +2931,7 @@
             </a:ln>
             <a:extLst>
               <a:ext uri="{91240B29-F687-4f45-9708-019B960494DF}">
-                <a14:hiddenLine xmlns:a14="http://schemas.microsoft.com/office/drawing/2010/main" xmlns="" w="9525">
+                <a14:hiddenLine xmlns="" xmlns:a14="http://schemas.microsoft.com/office/drawing/2010/main" w="9525">
                   <a:solidFill>
                     <a:srgbClr val="000000"/>
                   </a:solidFill>
@@ -3021,7 +3021,7 @@
             </a:ln>
             <a:extLst>
               <a:ext uri="{91240B29-F687-4f45-9708-019B960494DF}">
-                <a14:hiddenLine xmlns:a14="http://schemas.microsoft.com/office/drawing/2010/main" xmlns="" w="9525">
+                <a14:hiddenLine xmlns="" xmlns:a14="http://schemas.microsoft.com/office/drawing/2010/main" w="9525">
                   <a:solidFill>
                     <a:srgbClr val="000000"/>
                   </a:solidFill>
@@ -3083,7 +3083,7 @@
             </a:ln>
             <a:extLst>
               <a:ext uri="{91240B29-F687-4f45-9708-019B960494DF}">
-                <a14:hiddenLine xmlns:a14="http://schemas.microsoft.com/office/drawing/2010/main" xmlns="" w="9525">
+                <a14:hiddenLine xmlns="" xmlns:a14="http://schemas.microsoft.com/office/drawing/2010/main" w="9525">
                   <a:solidFill>
                     <a:srgbClr val="000000"/>
                   </a:solidFill>
@@ -3173,7 +3173,7 @@
             </a:ln>
             <a:extLst>
               <a:ext uri="{91240B29-F687-4f45-9708-019B960494DF}">
-                <a14:hiddenLine xmlns:a14="http://schemas.microsoft.com/office/drawing/2010/main" xmlns="" w="9525">
+                <a14:hiddenLine xmlns="" xmlns:a14="http://schemas.microsoft.com/office/drawing/2010/main" w="9525">
                   <a:solidFill>
                     <a:srgbClr val="000000"/>
                   </a:solidFill>
@@ -3207,7 +3207,7 @@
             </a:ln>
             <a:extLst>
               <a:ext uri="{91240B29-F687-4f45-9708-019B960494DF}">
-                <a14:hiddenLine xmlns:a14="http://schemas.microsoft.com/office/drawing/2010/main" xmlns="" w="9525">
+                <a14:hiddenLine xmlns="" xmlns:a14="http://schemas.microsoft.com/office/drawing/2010/main" w="9525">
                   <a:solidFill>
                     <a:srgbClr val="000000"/>
                   </a:solidFill>
@@ -3272,7 +3272,7 @@
             </a:ln>
             <a:extLst>
               <a:ext uri="{91240B29-F687-4f45-9708-019B960494DF}">
-                <a14:hiddenLine xmlns:a14="http://schemas.microsoft.com/office/drawing/2010/main" xmlns="" w="9525">
+                <a14:hiddenLine xmlns="" xmlns:a14="http://schemas.microsoft.com/office/drawing/2010/main" w="9525">
                   <a:solidFill>
                     <a:srgbClr val="000000"/>
                   </a:solidFill>
@@ -3362,7 +3362,7 @@
             </a:ln>
             <a:extLst>
               <a:ext uri="{91240B29-F687-4f45-9708-019B960494DF}">
-                <a14:hiddenLine xmlns:a14="http://schemas.microsoft.com/office/drawing/2010/main" xmlns="" w="9525">
+                <a14:hiddenLine xmlns="" xmlns:a14="http://schemas.microsoft.com/office/drawing/2010/main" w="9525">
                   <a:solidFill>
                     <a:srgbClr val="000000"/>
                   </a:solidFill>
@@ -3424,7 +3424,7 @@
             </a:ln>
             <a:extLst>
               <a:ext uri="{91240B29-F687-4f45-9708-019B960494DF}">
-                <a14:hiddenLine xmlns:a14="http://schemas.microsoft.com/office/drawing/2010/main" xmlns="" w="9525">
+                <a14:hiddenLine xmlns="" xmlns:a14="http://schemas.microsoft.com/office/drawing/2010/main" w="9525">
                   <a:solidFill>
                     <a:srgbClr val="000000"/>
                   </a:solidFill>
@@ -3514,7 +3514,7 @@
             </a:ln>
             <a:extLst>
               <a:ext uri="{91240B29-F687-4f45-9708-019B960494DF}">
-                <a14:hiddenLine xmlns:a14="http://schemas.microsoft.com/office/drawing/2010/main" xmlns="" w="9525">
+                <a14:hiddenLine xmlns="" xmlns:a14="http://schemas.microsoft.com/office/drawing/2010/main" w="9525">
                   <a:solidFill>
                     <a:srgbClr val="000000"/>
                   </a:solidFill>
@@ -3604,7 +3604,7 @@
             </a:ln>
             <a:extLst>
               <a:ext uri="{91240B29-F687-4f45-9708-019B960494DF}">
-                <a14:hiddenLine xmlns:a14="http://schemas.microsoft.com/office/drawing/2010/main" xmlns="" w="9525">
+                <a14:hiddenLine xmlns="" xmlns:a14="http://schemas.microsoft.com/office/drawing/2010/main" w="9525">
                   <a:solidFill>
                     <a:srgbClr val="000000"/>
                   </a:solidFill>
@@ -3669,7 +3669,7 @@
             </a:ln>
             <a:extLst>
               <a:ext uri="{91240B29-F687-4f45-9708-019B960494DF}">
-                <a14:hiddenLine xmlns:a14="http://schemas.microsoft.com/office/drawing/2010/main" xmlns="" w="9525">
+                <a14:hiddenLine xmlns="" xmlns:a14="http://schemas.microsoft.com/office/drawing/2010/main" w="9525">
                   <a:solidFill>
                     <a:srgbClr val="000000"/>
                   </a:solidFill>
@@ -3731,7 +3731,7 @@
             </a:ln>
             <a:extLst>
               <a:ext uri="{91240B29-F687-4f45-9708-019B960494DF}">
-                <a14:hiddenLine xmlns:a14="http://schemas.microsoft.com/office/drawing/2010/main" xmlns="" w="9525">
+                <a14:hiddenLine xmlns="" xmlns:a14="http://schemas.microsoft.com/office/drawing/2010/main" w="9525">
                   <a:solidFill>
                     <a:srgbClr val="000000"/>
                   </a:solidFill>
@@ -3821,7 +3821,7 @@
             </a:ln>
             <a:extLst>
               <a:ext uri="{91240B29-F687-4f45-9708-019B960494DF}">
-                <a14:hiddenLine xmlns:a14="http://schemas.microsoft.com/office/drawing/2010/main" xmlns="" w="9525">
+                <a14:hiddenLine xmlns="" xmlns:a14="http://schemas.microsoft.com/office/drawing/2010/main" w="9525">
                   <a:solidFill>
                     <a:srgbClr val="000000"/>
                   </a:solidFill>
@@ -3911,7 +3911,7 @@
             </a:ln>
             <a:extLst>
               <a:ext uri="{91240B29-F687-4f45-9708-019B960494DF}">
-                <a14:hiddenLine xmlns:a14="http://schemas.microsoft.com/office/drawing/2010/main" xmlns="" w="9525">
+                <a14:hiddenLine xmlns="" xmlns:a14="http://schemas.microsoft.com/office/drawing/2010/main" w="9525">
                   <a:solidFill>
                     <a:srgbClr val="000000"/>
                   </a:solidFill>
@@ -3973,7 +3973,7 @@
             </a:ln>
             <a:extLst>
               <a:ext uri="{91240B29-F687-4f45-9708-019B960494DF}">
-                <a14:hiddenLine xmlns:a14="http://schemas.microsoft.com/office/drawing/2010/main" xmlns="" w="9525">
+                <a14:hiddenLine xmlns="" xmlns:a14="http://schemas.microsoft.com/office/drawing/2010/main" w="9525">
                   <a:solidFill>
                     <a:srgbClr val="000000"/>
                   </a:solidFill>
@@ -4093,7 +4093,7 @@
             </a:ln>
             <a:extLst>
               <a:ext uri="{91240B29-F687-4f45-9708-019B960494DF}">
-                <a14:hiddenLine xmlns:a14="http://schemas.microsoft.com/office/drawing/2010/main" xmlns="" w="9525">
+                <a14:hiddenLine xmlns="" xmlns:a14="http://schemas.microsoft.com/office/drawing/2010/main" w="9525">
                   <a:solidFill>
                     <a:srgbClr val="000000"/>
                   </a:solidFill>
@@ -4161,7 +4161,7 @@
             </a:ln>
             <a:extLst>
               <a:ext uri="{91240B29-F687-4f45-9708-019B960494DF}">
-                <a14:hiddenLine xmlns:a14="http://schemas.microsoft.com/office/drawing/2010/main" xmlns="" w="9525">
+                <a14:hiddenLine xmlns="" xmlns:a14="http://schemas.microsoft.com/office/drawing/2010/main" w="9525">
                   <a:solidFill>
                     <a:srgbClr val="000000"/>
                   </a:solidFill>
@@ -4251,7 +4251,7 @@
             </a:ln>
             <a:extLst>
               <a:ext uri="{91240B29-F687-4f45-9708-019B960494DF}">
-                <a14:hiddenLine xmlns:a14="http://schemas.microsoft.com/office/drawing/2010/main" xmlns="" w="9525">
+                <a14:hiddenLine xmlns="" xmlns:a14="http://schemas.microsoft.com/office/drawing/2010/main" w="9525">
                   <a:solidFill>
                     <a:srgbClr val="000000"/>
                   </a:solidFill>
@@ -4391,7 +4391,7 @@
           <a:p>
             <a:fld id="{BCB2C6B0-2C69-43E3-94DE-62BFBEB21618}" type="datetimeFigureOut">
               <a:rPr lang="it-IT" smtClean="0"/>
-              <a:t>25/03/2016</a:t>
+              <a:t>26/03/2016</a:t>
             </a:fld>
             <a:endParaRPr lang="it-IT"/>
           </a:p>
@@ -4658,7 +4658,7 @@
           <a:p>
             <a:fld id="{BCB2C6B0-2C69-43E3-94DE-62BFBEB21618}" type="datetimeFigureOut">
               <a:rPr lang="it-IT" smtClean="0"/>
-              <a:t>25/03/2016</a:t>
+              <a:t>26/03/2016</a:t>
             </a:fld>
             <a:endParaRPr lang="it-IT"/>
           </a:p>
@@ -4854,7 +4854,7 @@
           <a:p>
             <a:fld id="{BCB2C6B0-2C69-43E3-94DE-62BFBEB21618}" type="datetimeFigureOut">
               <a:rPr lang="it-IT" smtClean="0"/>
-              <a:t>25/03/2016</a:t>
+              <a:t>26/03/2016</a:t>
             </a:fld>
             <a:endParaRPr lang="it-IT"/>
           </a:p>
@@ -5117,7 +5117,7 @@
           <a:p>
             <a:fld id="{BCB2C6B0-2C69-43E3-94DE-62BFBEB21618}" type="datetimeFigureOut">
               <a:rPr lang="it-IT" smtClean="0"/>
-              <a:t>25/03/2016</a:t>
+              <a:t>26/03/2016</a:t>
             </a:fld>
             <a:endParaRPr lang="it-IT"/>
           </a:p>
@@ -5551,7 +5551,7 @@
           <a:p>
             <a:fld id="{BCB2C6B0-2C69-43E3-94DE-62BFBEB21618}" type="datetimeFigureOut">
               <a:rPr lang="it-IT" smtClean="0"/>
-              <a:t>25/03/2016</a:t>
+              <a:t>26/03/2016</a:t>
             </a:fld>
             <a:endParaRPr lang="it-IT"/>
           </a:p>
@@ -6097,7 +6097,7 @@
           <a:p>
             <a:fld id="{BCB2C6B0-2C69-43E3-94DE-62BFBEB21618}" type="datetimeFigureOut">
               <a:rPr lang="it-IT" smtClean="0"/>
-              <a:t>25/03/2016</a:t>
+              <a:t>26/03/2016</a:t>
             </a:fld>
             <a:endParaRPr lang="it-IT"/>
           </a:p>
@@ -6817,7 +6817,7 @@
           <a:p>
             <a:fld id="{BCB2C6B0-2C69-43E3-94DE-62BFBEB21618}" type="datetimeFigureOut">
               <a:rPr lang="it-IT" smtClean="0"/>
-              <a:t>25/03/2016</a:t>
+              <a:t>26/03/2016</a:t>
             </a:fld>
             <a:endParaRPr lang="it-IT"/>
           </a:p>
@@ -6987,7 +6987,7 @@
           <a:p>
             <a:fld id="{BCB2C6B0-2C69-43E3-94DE-62BFBEB21618}" type="datetimeFigureOut">
               <a:rPr lang="it-IT" smtClean="0"/>
-              <a:t>25/03/2016</a:t>
+              <a:t>26/03/2016</a:t>
             </a:fld>
             <a:endParaRPr lang="it-IT"/>
           </a:p>
@@ -7167,7 +7167,7 @@
           <a:p>
             <a:fld id="{BCB2C6B0-2C69-43E3-94DE-62BFBEB21618}" type="datetimeFigureOut">
               <a:rPr lang="it-IT" smtClean="0"/>
-              <a:t>25/03/2016</a:t>
+              <a:t>26/03/2016</a:t>
             </a:fld>
             <a:endParaRPr lang="it-IT"/>
           </a:p>
@@ -7337,7 +7337,7 @@
           <a:p>
             <a:fld id="{BCB2C6B0-2C69-43E3-94DE-62BFBEB21618}" type="datetimeFigureOut">
               <a:rPr lang="it-IT" smtClean="0"/>
-              <a:t>25/03/2016</a:t>
+              <a:t>26/03/2016</a:t>
             </a:fld>
             <a:endParaRPr lang="it-IT"/>
           </a:p>
@@ -7587,7 +7587,7 @@
           <a:p>
             <a:fld id="{BCB2C6B0-2C69-43E3-94DE-62BFBEB21618}" type="datetimeFigureOut">
               <a:rPr lang="it-IT" smtClean="0"/>
-              <a:t>25/03/2016</a:t>
+              <a:t>26/03/2016</a:t>
             </a:fld>
             <a:endParaRPr lang="it-IT"/>
           </a:p>
@@ -7819,7 +7819,7 @@
           <a:p>
             <a:fld id="{BCB2C6B0-2C69-43E3-94DE-62BFBEB21618}" type="datetimeFigureOut">
               <a:rPr lang="it-IT" smtClean="0"/>
-              <a:t>25/03/2016</a:t>
+              <a:t>26/03/2016</a:t>
             </a:fld>
             <a:endParaRPr lang="it-IT"/>
           </a:p>
@@ -8200,7 +8200,7 @@
           <a:p>
             <a:fld id="{BCB2C6B0-2C69-43E3-94DE-62BFBEB21618}" type="datetimeFigureOut">
               <a:rPr lang="it-IT" smtClean="0"/>
-              <a:t>25/03/2016</a:t>
+              <a:t>26/03/2016</a:t>
             </a:fld>
             <a:endParaRPr lang="it-IT"/>
           </a:p>
@@ -8318,7 +8318,7 @@
           <a:p>
             <a:fld id="{BCB2C6B0-2C69-43E3-94DE-62BFBEB21618}" type="datetimeFigureOut">
               <a:rPr lang="it-IT" smtClean="0"/>
-              <a:t>25/03/2016</a:t>
+              <a:t>26/03/2016</a:t>
             </a:fld>
             <a:endParaRPr lang="it-IT"/>
           </a:p>
@@ -8413,7 +8413,7 @@
           <a:p>
             <a:fld id="{BCB2C6B0-2C69-43E3-94DE-62BFBEB21618}" type="datetimeFigureOut">
               <a:rPr lang="it-IT" smtClean="0"/>
-              <a:t>25/03/2016</a:t>
+              <a:t>26/03/2016</a:t>
             </a:fld>
             <a:endParaRPr lang="it-IT"/>
           </a:p>
@@ -8662,7 +8662,7 @@
           <a:p>
             <a:fld id="{BCB2C6B0-2C69-43E3-94DE-62BFBEB21618}" type="datetimeFigureOut">
               <a:rPr lang="it-IT" smtClean="0"/>
-              <a:t>25/03/2016</a:t>
+              <a:t>26/03/2016</a:t>
             </a:fld>
             <a:endParaRPr lang="it-IT"/>
           </a:p>
@@ -8942,7 +8942,7 @@
           <a:p>
             <a:fld id="{BCB2C6B0-2C69-43E3-94DE-62BFBEB21618}" type="datetimeFigureOut">
               <a:rPr lang="it-IT" smtClean="0"/>
-              <a:t>25/03/2016</a:t>
+              <a:t>26/03/2016</a:t>
             </a:fld>
             <a:endParaRPr lang="it-IT"/>
           </a:p>
@@ -9058,7 +9058,7 @@
           <a:noFill/>
           <a:extLst>
             <a:ext uri="{909E8E84-426E-40dd-AFC4-6F175D3DCCD1}">
-              <a14:hiddenFill xmlns:a14="http://schemas.microsoft.com/office/drawing/2010/main" xmlns="">
+              <a14:hiddenFill xmlns="" xmlns:a14="http://schemas.microsoft.com/office/drawing/2010/main">
                 <a:solidFill>
                   <a:srgbClr val="FFFFFF"/>
                 </a:solidFill>
@@ -9132,7 +9132,7 @@
               </a:ln>
               <a:extLst>
                 <a:ext uri="{91240B29-F687-4f45-9708-019B960494DF}">
-                  <a14:hiddenLine xmlns:a14="http://schemas.microsoft.com/office/drawing/2010/main" xmlns="" w="9525">
+                  <a14:hiddenLine xmlns="" xmlns:a14="http://schemas.microsoft.com/office/drawing/2010/main" w="9525">
                     <a:solidFill>
                       <a:srgbClr val="000000"/>
                     </a:solidFill>
@@ -9222,7 +9222,7 @@
               </a:ln>
               <a:extLst>
                 <a:ext uri="{91240B29-F687-4f45-9708-019B960494DF}">
-                  <a14:hiddenLine xmlns:a14="http://schemas.microsoft.com/office/drawing/2010/main" xmlns="" w="9525">
+                  <a14:hiddenLine xmlns="" xmlns:a14="http://schemas.microsoft.com/office/drawing/2010/main" w="9525">
                     <a:solidFill>
                       <a:srgbClr val="000000"/>
                     </a:solidFill>
@@ -9312,7 +9312,7 @@
               </a:ln>
               <a:extLst>
                 <a:ext uri="{91240B29-F687-4f45-9708-019B960494DF}">
-                  <a14:hiddenLine xmlns:a14="http://schemas.microsoft.com/office/drawing/2010/main" xmlns="" w="9525">
+                  <a14:hiddenLine xmlns="" xmlns:a14="http://schemas.microsoft.com/office/drawing/2010/main" w="9525">
                     <a:solidFill>
                       <a:srgbClr val="000000"/>
                     </a:solidFill>
@@ -9374,7 +9374,7 @@
               </a:ln>
               <a:extLst>
                 <a:ext uri="{91240B29-F687-4f45-9708-019B960494DF}">
-                  <a14:hiddenLine xmlns:a14="http://schemas.microsoft.com/office/drawing/2010/main" xmlns="" w="9525">
+                  <a14:hiddenLine xmlns="" xmlns:a14="http://schemas.microsoft.com/office/drawing/2010/main" w="9525">
                     <a:solidFill>
                       <a:srgbClr val="000000"/>
                     </a:solidFill>
@@ -9464,7 +9464,7 @@
               </a:ln>
               <a:extLst>
                 <a:ext uri="{91240B29-F687-4f45-9708-019B960494DF}">
-                  <a14:hiddenLine xmlns:a14="http://schemas.microsoft.com/office/drawing/2010/main" xmlns="" w="9525">
+                  <a14:hiddenLine xmlns="" xmlns:a14="http://schemas.microsoft.com/office/drawing/2010/main" w="9525">
                     <a:solidFill>
                       <a:srgbClr val="000000"/>
                     </a:solidFill>
@@ -9526,7 +9526,7 @@
               </a:ln>
               <a:extLst>
                 <a:ext uri="{91240B29-F687-4f45-9708-019B960494DF}">
-                  <a14:hiddenLine xmlns:a14="http://schemas.microsoft.com/office/drawing/2010/main" xmlns="" w="9525">
+                  <a14:hiddenLine xmlns="" xmlns:a14="http://schemas.microsoft.com/office/drawing/2010/main" w="9525">
                     <a:solidFill>
                       <a:srgbClr val="000000"/>
                     </a:solidFill>
@@ -9588,7 +9588,7 @@
               </a:ln>
               <a:extLst>
                 <a:ext uri="{91240B29-F687-4f45-9708-019B960494DF}">
-                  <a14:hiddenLine xmlns:a14="http://schemas.microsoft.com/office/drawing/2010/main" xmlns="" w="9525">
+                  <a14:hiddenLine xmlns="" xmlns:a14="http://schemas.microsoft.com/office/drawing/2010/main" w="9525">
                     <a:solidFill>
                       <a:srgbClr val="000000"/>
                     </a:solidFill>
@@ -9678,7 +9678,7 @@
               </a:ln>
               <a:extLst>
                 <a:ext uri="{91240B29-F687-4f45-9708-019B960494DF}">
-                  <a14:hiddenLine xmlns:a14="http://schemas.microsoft.com/office/drawing/2010/main" xmlns="" w="9525">
+                  <a14:hiddenLine xmlns="" xmlns:a14="http://schemas.microsoft.com/office/drawing/2010/main" w="9525">
                     <a:solidFill>
                       <a:srgbClr val="000000"/>
                     </a:solidFill>
@@ -9768,7 +9768,7 @@
               </a:ln>
               <a:extLst>
                 <a:ext uri="{91240B29-F687-4f45-9708-019B960494DF}">
-                  <a14:hiddenLine xmlns:a14="http://schemas.microsoft.com/office/drawing/2010/main" xmlns="" w="9525">
+                  <a14:hiddenLine xmlns="" xmlns:a14="http://schemas.microsoft.com/office/drawing/2010/main" w="9525">
                     <a:solidFill>
                       <a:srgbClr val="000000"/>
                     </a:solidFill>
@@ -9830,7 +9830,7 @@
               </a:ln>
               <a:extLst>
                 <a:ext uri="{91240B29-F687-4f45-9708-019B960494DF}">
-                  <a14:hiddenLine xmlns:a14="http://schemas.microsoft.com/office/drawing/2010/main" xmlns="" w="9525">
+                  <a14:hiddenLine xmlns="" xmlns:a14="http://schemas.microsoft.com/office/drawing/2010/main" w="9525">
                     <a:solidFill>
                       <a:srgbClr val="000000"/>
                     </a:solidFill>
@@ -9940,7 +9940,7 @@
               </a:ln>
               <a:extLst>
                 <a:ext uri="{91240B29-F687-4f45-9708-019B960494DF}">
-                  <a14:hiddenLine xmlns:a14="http://schemas.microsoft.com/office/drawing/2010/main" xmlns="" w="9525">
+                  <a14:hiddenLine xmlns="" xmlns:a14="http://schemas.microsoft.com/office/drawing/2010/main" w="9525">
                     <a:solidFill>
                       <a:srgbClr val="000000"/>
                     </a:solidFill>
@@ -10024,7 +10024,7 @@
               </a:ln>
               <a:extLst>
                 <a:ext uri="{91240B29-F687-4f45-9708-019B960494DF}">
-                  <a14:hiddenLine xmlns:a14="http://schemas.microsoft.com/office/drawing/2010/main" xmlns="" w="9525">
+                  <a14:hiddenLine xmlns="" xmlns:a14="http://schemas.microsoft.com/office/drawing/2010/main" w="9525">
                     <a:solidFill>
                       <a:srgbClr val="000000"/>
                     </a:solidFill>
@@ -10086,7 +10086,7 @@
               </a:ln>
               <a:extLst>
                 <a:ext uri="{91240B29-F687-4f45-9708-019B960494DF}">
-                  <a14:hiddenLine xmlns:a14="http://schemas.microsoft.com/office/drawing/2010/main" xmlns="" w="9525">
+                  <a14:hiddenLine xmlns="" xmlns:a14="http://schemas.microsoft.com/office/drawing/2010/main" w="9525">
                     <a:solidFill>
                       <a:srgbClr val="000000"/>
                     </a:solidFill>
@@ -10148,7 +10148,7 @@
               </a:ln>
               <a:extLst>
                 <a:ext uri="{91240B29-F687-4f45-9708-019B960494DF}">
-                  <a14:hiddenLine xmlns:a14="http://schemas.microsoft.com/office/drawing/2010/main" xmlns="" w="9525">
+                  <a14:hiddenLine xmlns="" xmlns:a14="http://schemas.microsoft.com/office/drawing/2010/main" w="9525">
                     <a:solidFill>
                       <a:srgbClr val="000000"/>
                     </a:solidFill>
@@ -10238,7 +10238,7 @@
               </a:ln>
               <a:extLst>
                 <a:ext uri="{91240B29-F687-4f45-9708-019B960494DF}">
-                  <a14:hiddenLine xmlns:a14="http://schemas.microsoft.com/office/drawing/2010/main" xmlns="" w="9525">
+                  <a14:hiddenLine xmlns="" xmlns:a14="http://schemas.microsoft.com/office/drawing/2010/main" w="9525">
                     <a:solidFill>
                       <a:srgbClr val="000000"/>
                     </a:solidFill>
@@ -10272,7 +10272,7 @@
               </a:ln>
               <a:extLst>
                 <a:ext uri="{91240B29-F687-4f45-9708-019B960494DF}">
-                  <a14:hiddenLine xmlns:a14="http://schemas.microsoft.com/office/drawing/2010/main" xmlns="" w="9525">
+                  <a14:hiddenLine xmlns="" xmlns:a14="http://schemas.microsoft.com/office/drawing/2010/main" w="9525">
                     <a:solidFill>
                       <a:srgbClr val="000000"/>
                     </a:solidFill>
@@ -10337,7 +10337,7 @@
               </a:ln>
               <a:extLst>
                 <a:ext uri="{91240B29-F687-4f45-9708-019B960494DF}">
-                  <a14:hiddenLine xmlns:a14="http://schemas.microsoft.com/office/drawing/2010/main" xmlns="" w="9525">
+                  <a14:hiddenLine xmlns="" xmlns:a14="http://schemas.microsoft.com/office/drawing/2010/main" w="9525">
                     <a:solidFill>
                       <a:srgbClr val="000000"/>
                     </a:solidFill>
@@ -10427,7 +10427,7 @@
               </a:ln>
               <a:extLst>
                 <a:ext uri="{91240B29-F687-4f45-9708-019B960494DF}">
-                  <a14:hiddenLine xmlns:a14="http://schemas.microsoft.com/office/drawing/2010/main" xmlns="" w="9525">
+                  <a14:hiddenLine xmlns="" xmlns:a14="http://schemas.microsoft.com/office/drawing/2010/main" w="9525">
                     <a:solidFill>
                       <a:srgbClr val="000000"/>
                     </a:solidFill>
@@ -10489,7 +10489,7 @@
               </a:ln>
               <a:extLst>
                 <a:ext uri="{91240B29-F687-4f45-9708-019B960494DF}">
-                  <a14:hiddenLine xmlns:a14="http://schemas.microsoft.com/office/drawing/2010/main" xmlns="" w="9525">
+                  <a14:hiddenLine xmlns="" xmlns:a14="http://schemas.microsoft.com/office/drawing/2010/main" w="9525">
                     <a:solidFill>
                       <a:srgbClr val="000000"/>
                     </a:solidFill>
@@ -10579,7 +10579,7 @@
               </a:ln>
               <a:extLst>
                 <a:ext uri="{91240B29-F687-4f45-9708-019B960494DF}">
-                  <a14:hiddenLine xmlns:a14="http://schemas.microsoft.com/office/drawing/2010/main" xmlns="" w="9525">
+                  <a14:hiddenLine xmlns="" xmlns:a14="http://schemas.microsoft.com/office/drawing/2010/main" w="9525">
                     <a:solidFill>
                       <a:srgbClr val="000000"/>
                     </a:solidFill>
@@ -10644,7 +10644,7 @@
               </a:ln>
               <a:extLst>
                 <a:ext uri="{91240B29-F687-4f45-9708-019B960494DF}">
-                  <a14:hiddenLine xmlns:a14="http://schemas.microsoft.com/office/drawing/2010/main" xmlns="" w="9525">
+                  <a14:hiddenLine xmlns="" xmlns:a14="http://schemas.microsoft.com/office/drawing/2010/main" w="9525">
                     <a:solidFill>
                       <a:srgbClr val="000000"/>
                     </a:solidFill>
@@ -10706,7 +10706,7 @@
               </a:ln>
               <a:extLst>
                 <a:ext uri="{91240B29-F687-4f45-9708-019B960494DF}">
-                  <a14:hiddenLine xmlns:a14="http://schemas.microsoft.com/office/drawing/2010/main" xmlns="" w="9525">
+                  <a14:hiddenLine xmlns="" xmlns:a14="http://schemas.microsoft.com/office/drawing/2010/main" w="9525">
                     <a:solidFill>
                       <a:srgbClr val="000000"/>
                     </a:solidFill>
@@ -10796,7 +10796,7 @@
               </a:ln>
               <a:extLst>
                 <a:ext uri="{91240B29-F687-4f45-9708-019B960494DF}">
-                  <a14:hiddenLine xmlns:a14="http://schemas.microsoft.com/office/drawing/2010/main" xmlns="" w="9525">
+                  <a14:hiddenLine xmlns="" xmlns:a14="http://schemas.microsoft.com/office/drawing/2010/main" w="9525">
                     <a:solidFill>
                       <a:srgbClr val="000000"/>
                     </a:solidFill>
@@ -10886,7 +10886,7 @@
               </a:ln>
               <a:extLst>
                 <a:ext uri="{91240B29-F687-4f45-9708-019B960494DF}">
-                  <a14:hiddenLine xmlns:a14="http://schemas.microsoft.com/office/drawing/2010/main" xmlns="" w="9525">
+                  <a14:hiddenLine xmlns="" xmlns:a14="http://schemas.microsoft.com/office/drawing/2010/main" w="9525">
                     <a:solidFill>
                       <a:srgbClr val="000000"/>
                     </a:solidFill>
@@ -10951,7 +10951,7 @@
               </a:ln>
               <a:extLst>
                 <a:ext uri="{91240B29-F687-4f45-9708-019B960494DF}">
-                  <a14:hiddenLine xmlns:a14="http://schemas.microsoft.com/office/drawing/2010/main" xmlns="" w="9525">
+                  <a14:hiddenLine xmlns="" xmlns:a14="http://schemas.microsoft.com/office/drawing/2010/main" w="9525">
                     <a:solidFill>
                       <a:srgbClr val="000000"/>
                     </a:solidFill>
@@ -11071,7 +11071,7 @@
               </a:ln>
               <a:extLst>
                 <a:ext uri="{91240B29-F687-4f45-9708-019B960494DF}">
-                  <a14:hiddenLine xmlns:a14="http://schemas.microsoft.com/office/drawing/2010/main" xmlns="" w="9525">
+                  <a14:hiddenLine xmlns="" xmlns:a14="http://schemas.microsoft.com/office/drawing/2010/main" w="9525">
                     <a:solidFill>
                       <a:srgbClr val="000000"/>
                     </a:solidFill>
@@ -11169,7 +11169,7 @@
               </a:ln>
               <a:extLst>
                 <a:ext uri="{91240B29-F687-4f45-9708-019B960494DF}">
-                  <a14:hiddenLine xmlns:a14="http://schemas.microsoft.com/office/drawing/2010/main" xmlns="" w="9525">
+                  <a14:hiddenLine xmlns="" xmlns:a14="http://schemas.microsoft.com/office/drawing/2010/main" w="9525">
                     <a:solidFill>
                       <a:srgbClr val="000000"/>
                     </a:solidFill>
@@ -11284,7 +11284,7 @@
               </a:ln>
               <a:extLst>
                 <a:ext uri="{91240B29-F687-4f45-9708-019B960494DF}">
-                  <a14:hiddenLine xmlns:a14="http://schemas.microsoft.com/office/drawing/2010/main" xmlns="" w="9525">
+                  <a14:hiddenLine xmlns="" xmlns:a14="http://schemas.microsoft.com/office/drawing/2010/main" w="9525">
                     <a:solidFill>
                       <a:srgbClr val="000000"/>
                     </a:solidFill>
@@ -11374,7 +11374,7 @@
               </a:ln>
               <a:extLst>
                 <a:ext uri="{91240B29-F687-4f45-9708-019B960494DF}">
-                  <a14:hiddenLine xmlns:a14="http://schemas.microsoft.com/office/drawing/2010/main" xmlns="" w="9525">
+                  <a14:hiddenLine xmlns="" xmlns:a14="http://schemas.microsoft.com/office/drawing/2010/main" w="9525">
                     <a:solidFill>
                       <a:srgbClr val="000000"/>
                     </a:solidFill>
@@ -11439,7 +11439,7 @@
               </a:ln>
               <a:extLst>
                 <a:ext uri="{91240B29-F687-4f45-9708-019B960494DF}">
-                  <a14:hiddenLine xmlns:a14="http://schemas.microsoft.com/office/drawing/2010/main" xmlns="" w="9525">
+                  <a14:hiddenLine xmlns="" xmlns:a14="http://schemas.microsoft.com/office/drawing/2010/main" w="9525">
                     <a:solidFill>
                       <a:srgbClr val="000000"/>
                     </a:solidFill>
@@ -11529,7 +11529,7 @@
               </a:ln>
               <a:extLst>
                 <a:ext uri="{91240B29-F687-4f45-9708-019B960494DF}">
-                  <a14:hiddenLine xmlns:a14="http://schemas.microsoft.com/office/drawing/2010/main" xmlns="" w="9525">
+                  <a14:hiddenLine xmlns="" xmlns:a14="http://schemas.microsoft.com/office/drawing/2010/main" w="9525">
                     <a:solidFill>
                       <a:srgbClr val="000000"/>
                     </a:solidFill>
@@ -11597,7 +11597,7 @@
               </a:ln>
               <a:extLst>
                 <a:ext uri="{91240B29-F687-4f45-9708-019B960494DF}">
-                  <a14:hiddenLine xmlns:a14="http://schemas.microsoft.com/office/drawing/2010/main" xmlns="" w="9525">
+                  <a14:hiddenLine xmlns="" xmlns:a14="http://schemas.microsoft.com/office/drawing/2010/main" w="9525">
                     <a:solidFill>
                       <a:srgbClr val="000000"/>
                     </a:solidFill>
@@ -11687,7 +11687,7 @@
               </a:ln>
               <a:extLst>
                 <a:ext uri="{91240B29-F687-4f45-9708-019B960494DF}">
-                  <a14:hiddenLine xmlns:a14="http://schemas.microsoft.com/office/drawing/2010/main" xmlns="" w="9525">
+                  <a14:hiddenLine xmlns="" xmlns:a14="http://schemas.microsoft.com/office/drawing/2010/main" w="9525">
                     <a:solidFill>
                       <a:srgbClr val="000000"/>
                     </a:solidFill>
@@ -11755,7 +11755,7 @@
               </a:ln>
               <a:extLst>
                 <a:ext uri="{91240B29-F687-4f45-9708-019B960494DF}">
-                  <a14:hiddenLine xmlns:a14="http://schemas.microsoft.com/office/drawing/2010/main" xmlns="" w="9525">
+                  <a14:hiddenLine xmlns="" xmlns:a14="http://schemas.microsoft.com/office/drawing/2010/main" w="9525">
                     <a:solidFill>
                       <a:srgbClr val="000000"/>
                     </a:solidFill>
@@ -11845,7 +11845,7 @@
               </a:ln>
               <a:extLst>
                 <a:ext uri="{91240B29-F687-4f45-9708-019B960494DF}">
-                  <a14:hiddenLine xmlns:a14="http://schemas.microsoft.com/office/drawing/2010/main" xmlns="" w="9525">
+                  <a14:hiddenLine xmlns="" xmlns:a14="http://schemas.microsoft.com/office/drawing/2010/main" w="9525">
                     <a:solidFill>
                       <a:srgbClr val="000000"/>
                     </a:solidFill>
@@ -11879,7 +11879,7 @@
               </a:ln>
               <a:extLst>
                 <a:ext uri="{91240B29-F687-4f45-9708-019B960494DF}">
-                  <a14:hiddenLine xmlns:a14="http://schemas.microsoft.com/office/drawing/2010/main" xmlns="" w="9525">
+                  <a14:hiddenLine xmlns="" xmlns:a14="http://schemas.microsoft.com/office/drawing/2010/main" w="9525">
                     <a:solidFill>
                       <a:srgbClr val="000000"/>
                     </a:solidFill>
@@ -12019,7 +12019,7 @@
           <a:p>
             <a:fld id="{BCB2C6B0-2C69-43E3-94DE-62BFBEB21618}" type="datetimeFigureOut">
               <a:rPr lang="it-IT" smtClean="0"/>
-              <a:t>25/03/2016</a:t>
+              <a:t>26/03/2016</a:t>
             </a:fld>
             <a:endParaRPr lang="it-IT"/>
           </a:p>
@@ -12474,11 +12474,7 @@
             </a:r>
             <a:r>
               <a:rPr lang="it-IT" sz="2800" dirty="0" smtClean="0"/>
-              <a:t>= rottura, disgregazione, </a:t>
-            </a:r>
-            <a:r>
-              <a:rPr lang="it-IT" sz="2800" dirty="0" smtClean="0"/>
-              <a:t>frantumazione</a:t>
+              <a:t>= rottura, disgregazione, frantumazione</a:t>
             </a:r>
             <a:endParaRPr lang="it-IT" sz="2800" dirty="0"/>
           </a:p>
@@ -12731,11 +12727,7 @@
           <a:p>
             <a:r>
               <a:rPr lang="it-IT" dirty="0" smtClean="0"/>
-              <a:t>Tutti </a:t>
-            </a:r>
-            <a:r>
-              <a:rPr lang="it-IT" dirty="0" smtClean="0"/>
-              <a:t>i </a:t>
+              <a:t>Tutti i </a:t>
             </a:r>
             <a:r>
               <a:rPr lang="it-IT" dirty="0" err="1" smtClean="0">
@@ -12755,11 +12747,7 @@
             </a:r>
             <a:r>
               <a:rPr lang="it-IT" dirty="0" smtClean="0"/>
-              <a:t>on </a:t>
-            </a:r>
-            <a:r>
-              <a:rPr lang="it-IT" dirty="0" smtClean="0"/>
-              <a:t>tutti gli innovatori sono </a:t>
+              <a:t>on tutti gli innovatori sono </a:t>
             </a:r>
             <a:r>
               <a:rPr lang="it-IT" dirty="0" err="1" smtClean="0"/>
@@ -12786,19 +12774,7 @@
             </a:r>
             <a:r>
               <a:rPr lang="it-IT" dirty="0" smtClean="0"/>
-              <a:t> sradica e cambia letteralmente ciò </a:t>
-            </a:r>
-            <a:r>
-              <a:rPr lang="it-IT" dirty="0" smtClean="0"/>
-              <a:t>a cui </a:t>
-            </a:r>
-            <a:r>
-              <a:rPr lang="it-IT" dirty="0" smtClean="0"/>
-              <a:t>noi pensiamo, come ci comportiamo, facciamo affari e dove andiamo nella nostra vita </a:t>
-            </a:r>
-            <a:r>
-              <a:rPr lang="it-IT" dirty="0" smtClean="0"/>
-              <a:t>quotidiana.</a:t>
+              <a:t> sradica e cambia letteralmente ciò a cui noi pensiamo, come ci comportiamo, facciamo affari e dove andiamo nella nostra vita quotidiana.</a:t>
             </a:r>
             <a:endParaRPr lang="it-IT" dirty="0"/>
           </a:p>
@@ -12935,7 +12911,6 @@
               <a:rPr lang="it-IT" sz="1400" dirty="0" smtClean="0"/>
               <a:t>)</a:t>
             </a:r>
-            <a:endParaRPr lang="it-IT" sz="1400" dirty="0" smtClean="0"/>
           </a:p>
           <a:p>
             <a:pPr marL="228600" lvl="0" indent="-228600">
@@ -12971,15 +12946,7 @@
                   <a:prstClr val="white"/>
                 </a:solidFill>
               </a:rPr>
-              <a:t>rende l’idea della velocità </a:t>
-            </a:r>
-            <a:r>
-              <a:rPr lang="it-IT" sz="2200" dirty="0">
-                <a:solidFill>
-                  <a:prstClr val="white"/>
-                </a:solidFill>
-              </a:rPr>
-              <a:t>con cui avviene e </a:t>
+              <a:t>rende l’idea della velocità con cui avviene e </a:t>
             </a:r>
             <a:r>
               <a:rPr lang="it-IT" sz="2200" dirty="0" smtClean="0">
@@ -13083,7 +13050,7 @@
         </p:nvSpPr>
         <p:spPr>
           <a:xfrm>
-            <a:off x="1025502" y="550022"/>
+            <a:off x="1025501" y="485628"/>
             <a:ext cx="1807850" cy="1017101"/>
           </a:xfrm>
         </p:spPr>
@@ -13121,8 +13088,8 @@
         </p:nvSpPr>
         <p:spPr>
           <a:xfrm>
-            <a:off x="1025502" y="1567123"/>
-            <a:ext cx="8929867" cy="4778062"/>
+            <a:off x="1025501" y="1273143"/>
+            <a:ext cx="8929867" cy="5256446"/>
           </a:xfrm>
         </p:spPr>
         <p:txBody>
@@ -13182,15 +13149,15 @@
             </a:r>
             <a:r>
               <a:rPr lang="it-IT" dirty="0" smtClean="0"/>
-              <a:t>(fotografia, navigatori portatili, orologio</a:t>
+              <a:t>(fotografia, navigatori </a:t>
             </a:r>
             <a:r>
               <a:rPr lang="it-IT" dirty="0" smtClean="0"/>
-              <a:t>, ecc</a:t>
+              <a:t>portatili</a:t>
             </a:r>
             <a:r>
               <a:rPr lang="it-IT" dirty="0" smtClean="0"/>
-              <a:t>.) </a:t>
+              <a:t>, orologio, ecc.) </a:t>
             </a:r>
           </a:p>
           <a:p>
@@ -13208,11 +13175,7 @@
             </a:r>
             <a:r>
               <a:rPr lang="it-IT" dirty="0" smtClean="0"/>
-              <a:t>(es. brani </a:t>
-            </a:r>
-            <a:r>
-              <a:rPr lang="it-IT" dirty="0" smtClean="0"/>
-              <a:t>musicali e film in formato digitale su </a:t>
+              <a:t>(es. brani musicali e film in formato digitale su </a:t>
             </a:r>
             <a:r>
               <a:rPr lang="it-IT" dirty="0" err="1" smtClean="0">
@@ -13251,11 +13214,11 @@
               <a:t>E-commerce </a:t>
             </a:r>
             <a:r>
-              <a:rPr lang="it-IT" smtClean="0"/>
-              <a:t>(es. </a:t>
-            </a:r>
-            <a:r>
-              <a:rPr lang="it-IT" smtClean="0">
+              <a:rPr lang="it-IT" dirty="0" smtClean="0"/>
+              <a:t>(</a:t>
+            </a:r>
+            <a:r>
+              <a:rPr lang="it-IT" dirty="0" smtClean="0">
                 <a:solidFill>
                   <a:srgbClr val="FFFF00"/>
                 </a:solidFill>
@@ -13278,9 +13241,27 @@
             </a:r>
             <a:r>
               <a:rPr lang="it-IT" dirty="0" smtClean="0"/>
-              <a:t> – più di 100 miliardi di dollari in 10 anni</a:t>
-            </a:r>
-            <a:endParaRPr lang="it-IT" dirty="0"/>
+              <a:t> </a:t>
+            </a:r>
+            <a:r>
+              <a:rPr lang="it-IT" dirty="0" smtClean="0"/>
+              <a:t>- 300 </a:t>
+            </a:r>
+            <a:r>
+              <a:rPr lang="it-IT" dirty="0" smtClean="0"/>
+              <a:t>miliardi di dollari in </a:t>
+            </a:r>
+            <a:r>
+              <a:rPr lang="it-IT" dirty="0" smtClean="0"/>
+              <a:t>11 anni</a:t>
+            </a:r>
+            <a:br>
+              <a:rPr lang="it-IT" dirty="0" smtClean="0"/>
+            </a:br>
+            <a:r>
+              <a:rPr lang="it-IT" dirty="0" smtClean="0"/>
+              <a:t>	         1,4 miliardi di utenti</a:t>
+            </a:r>
           </a:p>
         </p:txBody>
       </p:sp>
